--- a/ppt 16-9/0974.信靠主往前走.pptx
+++ b/ppt 16-9/0974.信靠主往前走.pptx
@@ -129,7 +129,7 @@
           <p:cNvPr id="2" name="标题 1">
             <a:extLst>
               <a:ext uri="{FF2B5EF4-FFF2-40B4-BE49-F238E27FC236}">
-                <a16:creationId xmlns:a16="http://schemas.microsoft.com/office/drawing/2014/main" id="{0949A611-B827-6DBE-7FCE-72A3344FF1B5}"/>
+                <a16:creationId xmlns:a16="http://schemas.microsoft.com/office/drawing/2014/main" id="{34CA79D9-4919-8D7F-08A6-CF06340B75CC}"/>
               </a:ext>
             </a:extLst>
           </p:cNvPr>
@@ -166,7 +166,7 @@
           <p:cNvPr id="3" name="副标题 2">
             <a:extLst>
               <a:ext uri="{FF2B5EF4-FFF2-40B4-BE49-F238E27FC236}">
-                <a16:creationId xmlns:a16="http://schemas.microsoft.com/office/drawing/2014/main" id="{89338A55-5239-6A28-75A8-B9C0A5022900}"/>
+                <a16:creationId xmlns:a16="http://schemas.microsoft.com/office/drawing/2014/main" id="{899278E8-0D9F-C324-142B-9316CACC2DBD}"/>
               </a:ext>
             </a:extLst>
           </p:cNvPr>
@@ -236,7 +236,7 @@
           <p:cNvPr id="4" name="日期占位符 3">
             <a:extLst>
               <a:ext uri="{FF2B5EF4-FFF2-40B4-BE49-F238E27FC236}">
-                <a16:creationId xmlns:a16="http://schemas.microsoft.com/office/drawing/2014/main" id="{D612CC35-3AB8-77BD-CC40-1D7E68C034FA}"/>
+                <a16:creationId xmlns:a16="http://schemas.microsoft.com/office/drawing/2014/main" id="{4AAC78E5-70A7-F8EA-48B3-2E15DAF48AE9}"/>
               </a:ext>
             </a:extLst>
           </p:cNvPr>
@@ -252,7 +252,7 @@
           <a:bodyPr/>
           <a:lstStyle/>
           <a:p>
-            <a:fld id="{6AC37554-6CB5-457B-9879-2A4ECAC887B0}" type="datetimeFigureOut">
+            <a:fld id="{1DBFA1C8-5D38-4B02-8922-4666B2C2AFF9}" type="datetimeFigureOut">
               <a:rPr lang="zh-CN" altLang="en-US" smtClean="0"/>
               <a:t>2024/3/10</a:t>
             </a:fld>
@@ -265,7 +265,7 @@
           <p:cNvPr id="5" name="页脚占位符 4">
             <a:extLst>
               <a:ext uri="{FF2B5EF4-FFF2-40B4-BE49-F238E27FC236}">
-                <a16:creationId xmlns:a16="http://schemas.microsoft.com/office/drawing/2014/main" id="{C9885ED4-06AA-6652-5D3A-3EBFBE126A3F}"/>
+                <a16:creationId xmlns:a16="http://schemas.microsoft.com/office/drawing/2014/main" id="{D9ACA1AB-6588-3CF2-A37A-4D9397E8CD04}"/>
               </a:ext>
             </a:extLst>
           </p:cNvPr>
@@ -290,7 +290,7 @@
           <p:cNvPr id="6" name="灯片编号占位符 5">
             <a:extLst>
               <a:ext uri="{FF2B5EF4-FFF2-40B4-BE49-F238E27FC236}">
-                <a16:creationId xmlns:a16="http://schemas.microsoft.com/office/drawing/2014/main" id="{43C628E7-7850-008C-CF57-2F56FD5C9A09}"/>
+                <a16:creationId xmlns:a16="http://schemas.microsoft.com/office/drawing/2014/main" id="{44309D32-A4C3-77B1-D880-E602095EC491}"/>
               </a:ext>
             </a:extLst>
           </p:cNvPr>
@@ -306,7 +306,7 @@
           <a:bodyPr/>
           <a:lstStyle/>
           <a:p>
-            <a:fld id="{937EC396-9F2B-42FB-84D9-923FACDAD12B}" type="slidenum">
+            <a:fld id="{B0ADB00C-13DC-447D-9A9F-A9153936CCF0}" type="slidenum">
               <a:rPr lang="zh-CN" altLang="en-US" smtClean="0"/>
               <a:t>‹#›</a:t>
             </a:fld>
@@ -317,7 +317,7 @@
     </p:spTree>
     <p:extLst>
       <p:ext uri="{BB962C8B-B14F-4D97-AF65-F5344CB8AC3E}">
-        <p14:creationId xmlns:p14="http://schemas.microsoft.com/office/powerpoint/2010/main" val="3562748730"/>
+        <p14:creationId xmlns:p14="http://schemas.microsoft.com/office/powerpoint/2010/main" val="1336776753"/>
       </p:ext>
     </p:extLst>
   </p:cSld>
@@ -349,7 +349,7 @@
           <p:cNvPr id="2" name="标题 1">
             <a:extLst>
               <a:ext uri="{FF2B5EF4-FFF2-40B4-BE49-F238E27FC236}">
-                <a16:creationId xmlns:a16="http://schemas.microsoft.com/office/drawing/2014/main" id="{6988CD40-11EA-1F36-8462-A412D00F8839}"/>
+                <a16:creationId xmlns:a16="http://schemas.microsoft.com/office/drawing/2014/main" id="{5EB2B934-4D99-5F25-C6D8-10B41788D56D}"/>
               </a:ext>
             </a:extLst>
           </p:cNvPr>
@@ -377,7 +377,7 @@
           <p:cNvPr id="3" name="竖排文字占位符 2">
             <a:extLst>
               <a:ext uri="{FF2B5EF4-FFF2-40B4-BE49-F238E27FC236}">
-                <a16:creationId xmlns:a16="http://schemas.microsoft.com/office/drawing/2014/main" id="{33147A60-558E-B122-5D6D-F2E4CB259981}"/>
+                <a16:creationId xmlns:a16="http://schemas.microsoft.com/office/drawing/2014/main" id="{907B1C0B-0241-5516-D82D-32B0D060754A}"/>
               </a:ext>
             </a:extLst>
           </p:cNvPr>
@@ -434,7 +434,7 @@
           <p:cNvPr id="4" name="日期占位符 3">
             <a:extLst>
               <a:ext uri="{FF2B5EF4-FFF2-40B4-BE49-F238E27FC236}">
-                <a16:creationId xmlns:a16="http://schemas.microsoft.com/office/drawing/2014/main" id="{0F2FFE49-CDB3-8768-C15B-CAF759761A46}"/>
+                <a16:creationId xmlns:a16="http://schemas.microsoft.com/office/drawing/2014/main" id="{4B5C1EC4-CD34-E1C7-09E0-C42AABD0FC30}"/>
               </a:ext>
             </a:extLst>
           </p:cNvPr>
@@ -450,7 +450,7 @@
           <a:bodyPr/>
           <a:lstStyle/>
           <a:p>
-            <a:fld id="{6AC37554-6CB5-457B-9879-2A4ECAC887B0}" type="datetimeFigureOut">
+            <a:fld id="{1DBFA1C8-5D38-4B02-8922-4666B2C2AFF9}" type="datetimeFigureOut">
               <a:rPr lang="zh-CN" altLang="en-US" smtClean="0"/>
               <a:t>2024/3/10</a:t>
             </a:fld>
@@ -463,7 +463,7 @@
           <p:cNvPr id="5" name="页脚占位符 4">
             <a:extLst>
               <a:ext uri="{FF2B5EF4-FFF2-40B4-BE49-F238E27FC236}">
-                <a16:creationId xmlns:a16="http://schemas.microsoft.com/office/drawing/2014/main" id="{103C6918-74D8-3E38-E876-529028D5BE4B}"/>
+                <a16:creationId xmlns:a16="http://schemas.microsoft.com/office/drawing/2014/main" id="{06A13438-1A90-39A7-8C9F-04DD39B21BBF}"/>
               </a:ext>
             </a:extLst>
           </p:cNvPr>
@@ -488,7 +488,7 @@
           <p:cNvPr id="6" name="灯片编号占位符 5">
             <a:extLst>
               <a:ext uri="{FF2B5EF4-FFF2-40B4-BE49-F238E27FC236}">
-                <a16:creationId xmlns:a16="http://schemas.microsoft.com/office/drawing/2014/main" id="{280E60C0-F2B2-BD2F-0A0E-57A982F405D7}"/>
+                <a16:creationId xmlns:a16="http://schemas.microsoft.com/office/drawing/2014/main" id="{D6EFECF9-8558-5EEE-EB45-B644ABDF88C0}"/>
               </a:ext>
             </a:extLst>
           </p:cNvPr>
@@ -504,7 +504,7 @@
           <a:bodyPr/>
           <a:lstStyle/>
           <a:p>
-            <a:fld id="{937EC396-9F2B-42FB-84D9-923FACDAD12B}" type="slidenum">
+            <a:fld id="{B0ADB00C-13DC-447D-9A9F-A9153936CCF0}" type="slidenum">
               <a:rPr lang="zh-CN" altLang="en-US" smtClean="0"/>
               <a:t>‹#›</a:t>
             </a:fld>
@@ -515,7 +515,7 @@
     </p:spTree>
     <p:extLst>
       <p:ext uri="{BB962C8B-B14F-4D97-AF65-F5344CB8AC3E}">
-        <p14:creationId xmlns:p14="http://schemas.microsoft.com/office/powerpoint/2010/main" val="1112155034"/>
+        <p14:creationId xmlns:p14="http://schemas.microsoft.com/office/powerpoint/2010/main" val="3142347689"/>
       </p:ext>
     </p:extLst>
   </p:cSld>
@@ -547,7 +547,7 @@
           <p:cNvPr id="2" name="竖排标题 1">
             <a:extLst>
               <a:ext uri="{FF2B5EF4-FFF2-40B4-BE49-F238E27FC236}">
-                <a16:creationId xmlns:a16="http://schemas.microsoft.com/office/drawing/2014/main" id="{477FDB01-9284-41A5-F5D8-B0DD30263EA9}"/>
+                <a16:creationId xmlns:a16="http://schemas.microsoft.com/office/drawing/2014/main" id="{9BB60E3C-C22F-C2BC-C155-1DAF80CF723A}"/>
               </a:ext>
             </a:extLst>
           </p:cNvPr>
@@ -580,7 +580,7 @@
           <p:cNvPr id="3" name="竖排文字占位符 2">
             <a:extLst>
               <a:ext uri="{FF2B5EF4-FFF2-40B4-BE49-F238E27FC236}">
-                <a16:creationId xmlns:a16="http://schemas.microsoft.com/office/drawing/2014/main" id="{24D88DBF-D1EE-14A5-DDD7-9BC83E6D873F}"/>
+                <a16:creationId xmlns:a16="http://schemas.microsoft.com/office/drawing/2014/main" id="{A0B87897-C7E3-CE60-4BEC-086537CC0E4B}"/>
               </a:ext>
             </a:extLst>
           </p:cNvPr>
@@ -642,7 +642,7 @@
           <p:cNvPr id="4" name="日期占位符 3">
             <a:extLst>
               <a:ext uri="{FF2B5EF4-FFF2-40B4-BE49-F238E27FC236}">
-                <a16:creationId xmlns:a16="http://schemas.microsoft.com/office/drawing/2014/main" id="{B55FADEB-C261-B5E2-487F-A8978426ED15}"/>
+                <a16:creationId xmlns:a16="http://schemas.microsoft.com/office/drawing/2014/main" id="{4C0D665C-C5B1-6A3A-D74C-D7DF4C916D46}"/>
               </a:ext>
             </a:extLst>
           </p:cNvPr>
@@ -658,7 +658,7 @@
           <a:bodyPr/>
           <a:lstStyle/>
           <a:p>
-            <a:fld id="{6AC37554-6CB5-457B-9879-2A4ECAC887B0}" type="datetimeFigureOut">
+            <a:fld id="{1DBFA1C8-5D38-4B02-8922-4666B2C2AFF9}" type="datetimeFigureOut">
               <a:rPr lang="zh-CN" altLang="en-US" smtClean="0"/>
               <a:t>2024/3/10</a:t>
             </a:fld>
@@ -671,7 +671,7 @@
           <p:cNvPr id="5" name="页脚占位符 4">
             <a:extLst>
               <a:ext uri="{FF2B5EF4-FFF2-40B4-BE49-F238E27FC236}">
-                <a16:creationId xmlns:a16="http://schemas.microsoft.com/office/drawing/2014/main" id="{C4AF8D79-8903-B11E-3D70-E0C21AAD8379}"/>
+                <a16:creationId xmlns:a16="http://schemas.microsoft.com/office/drawing/2014/main" id="{8686EC4B-47AC-2B4B-ACA8-C73CE4D8BC04}"/>
               </a:ext>
             </a:extLst>
           </p:cNvPr>
@@ -696,7 +696,7 @@
           <p:cNvPr id="6" name="灯片编号占位符 5">
             <a:extLst>
               <a:ext uri="{FF2B5EF4-FFF2-40B4-BE49-F238E27FC236}">
-                <a16:creationId xmlns:a16="http://schemas.microsoft.com/office/drawing/2014/main" id="{77A8909E-F16F-37DE-CC6F-C2888A6103D0}"/>
+                <a16:creationId xmlns:a16="http://schemas.microsoft.com/office/drawing/2014/main" id="{4716DAD1-8820-6510-1F9F-320B6B45AF30}"/>
               </a:ext>
             </a:extLst>
           </p:cNvPr>
@@ -712,7 +712,7 @@
           <a:bodyPr/>
           <a:lstStyle/>
           <a:p>
-            <a:fld id="{937EC396-9F2B-42FB-84D9-923FACDAD12B}" type="slidenum">
+            <a:fld id="{B0ADB00C-13DC-447D-9A9F-A9153936CCF0}" type="slidenum">
               <a:rPr lang="zh-CN" altLang="en-US" smtClean="0"/>
               <a:t>‹#›</a:t>
             </a:fld>
@@ -723,7 +723,7 @@
     </p:spTree>
     <p:extLst>
       <p:ext uri="{BB962C8B-B14F-4D97-AF65-F5344CB8AC3E}">
-        <p14:creationId xmlns:p14="http://schemas.microsoft.com/office/powerpoint/2010/main" val="4013170899"/>
+        <p14:creationId xmlns:p14="http://schemas.microsoft.com/office/powerpoint/2010/main" val="1873796057"/>
       </p:ext>
     </p:extLst>
   </p:cSld>
@@ -755,7 +755,7 @@
           <p:cNvPr id="2" name="标题 1">
             <a:extLst>
               <a:ext uri="{FF2B5EF4-FFF2-40B4-BE49-F238E27FC236}">
-                <a16:creationId xmlns:a16="http://schemas.microsoft.com/office/drawing/2014/main" id="{B7581423-5FE9-5672-4C0A-E66DC1E157B0}"/>
+                <a16:creationId xmlns:a16="http://schemas.microsoft.com/office/drawing/2014/main" id="{AD99E46C-C8ED-F3EA-2B2A-F2578DB1A1B7}"/>
               </a:ext>
             </a:extLst>
           </p:cNvPr>
@@ -783,7 +783,7 @@
           <p:cNvPr id="3" name="内容占位符 2">
             <a:extLst>
               <a:ext uri="{FF2B5EF4-FFF2-40B4-BE49-F238E27FC236}">
-                <a16:creationId xmlns:a16="http://schemas.microsoft.com/office/drawing/2014/main" id="{A45F6B03-DAA6-2B32-64D4-3177F8295B6E}"/>
+                <a16:creationId xmlns:a16="http://schemas.microsoft.com/office/drawing/2014/main" id="{08BD2322-7C14-4069-8A67-3D18D742EDE5}"/>
               </a:ext>
             </a:extLst>
           </p:cNvPr>
@@ -840,7 +840,7 @@
           <p:cNvPr id="4" name="日期占位符 3">
             <a:extLst>
               <a:ext uri="{FF2B5EF4-FFF2-40B4-BE49-F238E27FC236}">
-                <a16:creationId xmlns:a16="http://schemas.microsoft.com/office/drawing/2014/main" id="{581E67BF-66AB-C143-D3B4-361D11763722}"/>
+                <a16:creationId xmlns:a16="http://schemas.microsoft.com/office/drawing/2014/main" id="{C7D71982-9CE3-B06C-1CF6-80B9289260ED}"/>
               </a:ext>
             </a:extLst>
           </p:cNvPr>
@@ -856,7 +856,7 @@
           <a:bodyPr/>
           <a:lstStyle/>
           <a:p>
-            <a:fld id="{6AC37554-6CB5-457B-9879-2A4ECAC887B0}" type="datetimeFigureOut">
+            <a:fld id="{1DBFA1C8-5D38-4B02-8922-4666B2C2AFF9}" type="datetimeFigureOut">
               <a:rPr lang="zh-CN" altLang="en-US" smtClean="0"/>
               <a:t>2024/3/10</a:t>
             </a:fld>
@@ -869,7 +869,7 @@
           <p:cNvPr id="5" name="页脚占位符 4">
             <a:extLst>
               <a:ext uri="{FF2B5EF4-FFF2-40B4-BE49-F238E27FC236}">
-                <a16:creationId xmlns:a16="http://schemas.microsoft.com/office/drawing/2014/main" id="{779E9594-4AE1-CC54-BA3E-BCAA40AD2C33}"/>
+                <a16:creationId xmlns:a16="http://schemas.microsoft.com/office/drawing/2014/main" id="{83005655-26AC-B173-DB90-510EFB3B424D}"/>
               </a:ext>
             </a:extLst>
           </p:cNvPr>
@@ -894,7 +894,7 @@
           <p:cNvPr id="6" name="灯片编号占位符 5">
             <a:extLst>
               <a:ext uri="{FF2B5EF4-FFF2-40B4-BE49-F238E27FC236}">
-                <a16:creationId xmlns:a16="http://schemas.microsoft.com/office/drawing/2014/main" id="{E4EDA0A1-6F6B-2EFA-0EB0-E597B557B446}"/>
+                <a16:creationId xmlns:a16="http://schemas.microsoft.com/office/drawing/2014/main" id="{637FA328-4A4D-8D57-0709-C9A245FE8649}"/>
               </a:ext>
             </a:extLst>
           </p:cNvPr>
@@ -910,7 +910,7 @@
           <a:bodyPr/>
           <a:lstStyle/>
           <a:p>
-            <a:fld id="{937EC396-9F2B-42FB-84D9-923FACDAD12B}" type="slidenum">
+            <a:fld id="{B0ADB00C-13DC-447D-9A9F-A9153936CCF0}" type="slidenum">
               <a:rPr lang="zh-CN" altLang="en-US" smtClean="0"/>
               <a:t>‹#›</a:t>
             </a:fld>
@@ -921,7 +921,7 @@
     </p:spTree>
     <p:extLst>
       <p:ext uri="{BB962C8B-B14F-4D97-AF65-F5344CB8AC3E}">
-        <p14:creationId xmlns:p14="http://schemas.microsoft.com/office/powerpoint/2010/main" val="2645150587"/>
+        <p14:creationId xmlns:p14="http://schemas.microsoft.com/office/powerpoint/2010/main" val="3862432168"/>
       </p:ext>
     </p:extLst>
   </p:cSld>
@@ -953,7 +953,7 @@
           <p:cNvPr id="2" name="标题 1">
             <a:extLst>
               <a:ext uri="{FF2B5EF4-FFF2-40B4-BE49-F238E27FC236}">
-                <a16:creationId xmlns:a16="http://schemas.microsoft.com/office/drawing/2014/main" id="{6A784AF0-23C8-E534-EB70-CEFCFDEBA703}"/>
+                <a16:creationId xmlns:a16="http://schemas.microsoft.com/office/drawing/2014/main" id="{B6CFFE10-B254-90D8-950E-0E7DCAD5A1A0}"/>
               </a:ext>
             </a:extLst>
           </p:cNvPr>
@@ -990,7 +990,7 @@
           <p:cNvPr id="3" name="文本占位符 2">
             <a:extLst>
               <a:ext uri="{FF2B5EF4-FFF2-40B4-BE49-F238E27FC236}">
-                <a16:creationId xmlns:a16="http://schemas.microsoft.com/office/drawing/2014/main" id="{B0AC822F-24DC-C012-16BF-C675A36DD37D}"/>
+                <a16:creationId xmlns:a16="http://schemas.microsoft.com/office/drawing/2014/main" id="{B011423E-D6F9-3A31-22F7-EFB59443C8E9}"/>
               </a:ext>
             </a:extLst>
           </p:cNvPr>
@@ -1115,7 +1115,7 @@
           <p:cNvPr id="4" name="日期占位符 3">
             <a:extLst>
               <a:ext uri="{FF2B5EF4-FFF2-40B4-BE49-F238E27FC236}">
-                <a16:creationId xmlns:a16="http://schemas.microsoft.com/office/drawing/2014/main" id="{051477A8-E3FA-88E2-A557-4B6DF323D3D5}"/>
+                <a16:creationId xmlns:a16="http://schemas.microsoft.com/office/drawing/2014/main" id="{1B79A3C6-97C7-72F0-54A0-CA696A4EDF38}"/>
               </a:ext>
             </a:extLst>
           </p:cNvPr>
@@ -1131,7 +1131,7 @@
           <a:bodyPr/>
           <a:lstStyle/>
           <a:p>
-            <a:fld id="{6AC37554-6CB5-457B-9879-2A4ECAC887B0}" type="datetimeFigureOut">
+            <a:fld id="{1DBFA1C8-5D38-4B02-8922-4666B2C2AFF9}" type="datetimeFigureOut">
               <a:rPr lang="zh-CN" altLang="en-US" smtClean="0"/>
               <a:t>2024/3/10</a:t>
             </a:fld>
@@ -1144,7 +1144,7 @@
           <p:cNvPr id="5" name="页脚占位符 4">
             <a:extLst>
               <a:ext uri="{FF2B5EF4-FFF2-40B4-BE49-F238E27FC236}">
-                <a16:creationId xmlns:a16="http://schemas.microsoft.com/office/drawing/2014/main" id="{D870A3E0-4E54-EFE0-D26A-D7203D747500}"/>
+                <a16:creationId xmlns:a16="http://schemas.microsoft.com/office/drawing/2014/main" id="{158C7637-95CD-FDB8-1066-339AEF33ACEE}"/>
               </a:ext>
             </a:extLst>
           </p:cNvPr>
@@ -1169,7 +1169,7 @@
           <p:cNvPr id="6" name="灯片编号占位符 5">
             <a:extLst>
               <a:ext uri="{FF2B5EF4-FFF2-40B4-BE49-F238E27FC236}">
-                <a16:creationId xmlns:a16="http://schemas.microsoft.com/office/drawing/2014/main" id="{346F25D0-2521-0D7C-EB9A-8B7C0CE7D64F}"/>
+                <a16:creationId xmlns:a16="http://schemas.microsoft.com/office/drawing/2014/main" id="{D2F92669-A587-8642-5B6D-A561954649A2}"/>
               </a:ext>
             </a:extLst>
           </p:cNvPr>
@@ -1185,7 +1185,7 @@
           <a:bodyPr/>
           <a:lstStyle/>
           <a:p>
-            <a:fld id="{937EC396-9F2B-42FB-84D9-923FACDAD12B}" type="slidenum">
+            <a:fld id="{B0ADB00C-13DC-447D-9A9F-A9153936CCF0}" type="slidenum">
               <a:rPr lang="zh-CN" altLang="en-US" smtClean="0"/>
               <a:t>‹#›</a:t>
             </a:fld>
@@ -1196,7 +1196,7 @@
     </p:spTree>
     <p:extLst>
       <p:ext uri="{BB962C8B-B14F-4D97-AF65-F5344CB8AC3E}">
-        <p14:creationId xmlns:p14="http://schemas.microsoft.com/office/powerpoint/2010/main" val="2983997365"/>
+        <p14:creationId xmlns:p14="http://schemas.microsoft.com/office/powerpoint/2010/main" val="2126889532"/>
       </p:ext>
     </p:extLst>
   </p:cSld>
@@ -1228,7 +1228,7 @@
           <p:cNvPr id="2" name="标题 1">
             <a:extLst>
               <a:ext uri="{FF2B5EF4-FFF2-40B4-BE49-F238E27FC236}">
-                <a16:creationId xmlns:a16="http://schemas.microsoft.com/office/drawing/2014/main" id="{59F7C2C7-C7FF-944B-26F8-F9067EBD0402}"/>
+                <a16:creationId xmlns:a16="http://schemas.microsoft.com/office/drawing/2014/main" id="{43674C6A-42A2-2CF9-5EAB-5E72C2A5875E}"/>
               </a:ext>
             </a:extLst>
           </p:cNvPr>
@@ -1256,7 +1256,7 @@
           <p:cNvPr id="3" name="内容占位符 2">
             <a:extLst>
               <a:ext uri="{FF2B5EF4-FFF2-40B4-BE49-F238E27FC236}">
-                <a16:creationId xmlns:a16="http://schemas.microsoft.com/office/drawing/2014/main" id="{693CAFA3-8D8A-8500-59DE-8FB863B43F0B}"/>
+                <a16:creationId xmlns:a16="http://schemas.microsoft.com/office/drawing/2014/main" id="{BF783BCD-FD66-0185-7220-AF793434F291}"/>
               </a:ext>
             </a:extLst>
           </p:cNvPr>
@@ -1318,7 +1318,7 @@
           <p:cNvPr id="4" name="内容占位符 3">
             <a:extLst>
               <a:ext uri="{FF2B5EF4-FFF2-40B4-BE49-F238E27FC236}">
-                <a16:creationId xmlns:a16="http://schemas.microsoft.com/office/drawing/2014/main" id="{AD5B4E80-7250-E91E-779C-2BCED61529EC}"/>
+                <a16:creationId xmlns:a16="http://schemas.microsoft.com/office/drawing/2014/main" id="{4E639B17-C1F1-6787-CA16-E9C091BCAD58}"/>
               </a:ext>
             </a:extLst>
           </p:cNvPr>
@@ -1380,7 +1380,7 @@
           <p:cNvPr id="5" name="日期占位符 4">
             <a:extLst>
               <a:ext uri="{FF2B5EF4-FFF2-40B4-BE49-F238E27FC236}">
-                <a16:creationId xmlns:a16="http://schemas.microsoft.com/office/drawing/2014/main" id="{BBCBD120-E4B9-B387-C44B-ABAEAE7B2DCC}"/>
+                <a16:creationId xmlns:a16="http://schemas.microsoft.com/office/drawing/2014/main" id="{E83D5CA7-014D-1839-1B3F-614709F598A2}"/>
               </a:ext>
             </a:extLst>
           </p:cNvPr>
@@ -1396,7 +1396,7 @@
           <a:bodyPr/>
           <a:lstStyle/>
           <a:p>
-            <a:fld id="{6AC37554-6CB5-457B-9879-2A4ECAC887B0}" type="datetimeFigureOut">
+            <a:fld id="{1DBFA1C8-5D38-4B02-8922-4666B2C2AFF9}" type="datetimeFigureOut">
               <a:rPr lang="zh-CN" altLang="en-US" smtClean="0"/>
               <a:t>2024/3/10</a:t>
             </a:fld>
@@ -1409,7 +1409,7 @@
           <p:cNvPr id="6" name="页脚占位符 5">
             <a:extLst>
               <a:ext uri="{FF2B5EF4-FFF2-40B4-BE49-F238E27FC236}">
-                <a16:creationId xmlns:a16="http://schemas.microsoft.com/office/drawing/2014/main" id="{6DC860ED-B84D-D554-D060-EE2EBD6A591F}"/>
+                <a16:creationId xmlns:a16="http://schemas.microsoft.com/office/drawing/2014/main" id="{53182BB2-DF22-5A65-B541-ACE6B067497E}"/>
               </a:ext>
             </a:extLst>
           </p:cNvPr>
@@ -1434,7 +1434,7 @@
           <p:cNvPr id="7" name="灯片编号占位符 6">
             <a:extLst>
               <a:ext uri="{FF2B5EF4-FFF2-40B4-BE49-F238E27FC236}">
-                <a16:creationId xmlns:a16="http://schemas.microsoft.com/office/drawing/2014/main" id="{A4DC0BBD-A6DE-EE48-0C56-D50321B7B69B}"/>
+                <a16:creationId xmlns:a16="http://schemas.microsoft.com/office/drawing/2014/main" id="{82E1D958-BA50-B36A-46FC-8267860DFAA4}"/>
               </a:ext>
             </a:extLst>
           </p:cNvPr>
@@ -1450,7 +1450,7 @@
           <a:bodyPr/>
           <a:lstStyle/>
           <a:p>
-            <a:fld id="{937EC396-9F2B-42FB-84D9-923FACDAD12B}" type="slidenum">
+            <a:fld id="{B0ADB00C-13DC-447D-9A9F-A9153936CCF0}" type="slidenum">
               <a:rPr lang="zh-CN" altLang="en-US" smtClean="0"/>
               <a:t>‹#›</a:t>
             </a:fld>
@@ -1461,7 +1461,7 @@
     </p:spTree>
     <p:extLst>
       <p:ext uri="{BB962C8B-B14F-4D97-AF65-F5344CB8AC3E}">
-        <p14:creationId xmlns:p14="http://schemas.microsoft.com/office/powerpoint/2010/main" val="2959386128"/>
+        <p14:creationId xmlns:p14="http://schemas.microsoft.com/office/powerpoint/2010/main" val="3007984048"/>
       </p:ext>
     </p:extLst>
   </p:cSld>
@@ -1493,7 +1493,7 @@
           <p:cNvPr id="2" name="标题 1">
             <a:extLst>
               <a:ext uri="{FF2B5EF4-FFF2-40B4-BE49-F238E27FC236}">
-                <a16:creationId xmlns:a16="http://schemas.microsoft.com/office/drawing/2014/main" id="{931F89B8-1BD4-E66D-B9FB-E5DCEE47A791}"/>
+                <a16:creationId xmlns:a16="http://schemas.microsoft.com/office/drawing/2014/main" id="{1BDE9C46-43E8-615D-4DA5-F06D5A479D30}"/>
               </a:ext>
             </a:extLst>
           </p:cNvPr>
@@ -1526,7 +1526,7 @@
           <p:cNvPr id="3" name="文本占位符 2">
             <a:extLst>
               <a:ext uri="{FF2B5EF4-FFF2-40B4-BE49-F238E27FC236}">
-                <a16:creationId xmlns:a16="http://schemas.microsoft.com/office/drawing/2014/main" id="{E91001E7-CB71-CB5D-610A-158BFD092140}"/>
+                <a16:creationId xmlns:a16="http://schemas.microsoft.com/office/drawing/2014/main" id="{5B16327E-E47F-FC8F-1830-B8AAED4B2792}"/>
               </a:ext>
             </a:extLst>
           </p:cNvPr>
@@ -1597,7 +1597,7 @@
           <p:cNvPr id="4" name="内容占位符 3">
             <a:extLst>
               <a:ext uri="{FF2B5EF4-FFF2-40B4-BE49-F238E27FC236}">
-                <a16:creationId xmlns:a16="http://schemas.microsoft.com/office/drawing/2014/main" id="{10E0DC8E-2418-DCCC-5A11-757C35674FA3}"/>
+                <a16:creationId xmlns:a16="http://schemas.microsoft.com/office/drawing/2014/main" id="{A8C7C13D-C124-90BA-81F4-7CC079D99F39}"/>
               </a:ext>
             </a:extLst>
           </p:cNvPr>
@@ -1659,7 +1659,7 @@
           <p:cNvPr id="5" name="文本占位符 4">
             <a:extLst>
               <a:ext uri="{FF2B5EF4-FFF2-40B4-BE49-F238E27FC236}">
-                <a16:creationId xmlns:a16="http://schemas.microsoft.com/office/drawing/2014/main" id="{15084329-96DF-180E-B935-F250B1672222}"/>
+                <a16:creationId xmlns:a16="http://schemas.microsoft.com/office/drawing/2014/main" id="{8CDDBC8D-6A61-1CE2-CD9D-F9944ABAE99D}"/>
               </a:ext>
             </a:extLst>
           </p:cNvPr>
@@ -1730,7 +1730,7 @@
           <p:cNvPr id="6" name="内容占位符 5">
             <a:extLst>
               <a:ext uri="{FF2B5EF4-FFF2-40B4-BE49-F238E27FC236}">
-                <a16:creationId xmlns:a16="http://schemas.microsoft.com/office/drawing/2014/main" id="{36B5BA49-A12A-4185-E21B-84E603B61CDF}"/>
+                <a16:creationId xmlns:a16="http://schemas.microsoft.com/office/drawing/2014/main" id="{CAC0681E-164E-3DB9-C717-2AB11303EF64}"/>
               </a:ext>
             </a:extLst>
           </p:cNvPr>
@@ -1792,7 +1792,7 @@
           <p:cNvPr id="7" name="日期占位符 6">
             <a:extLst>
               <a:ext uri="{FF2B5EF4-FFF2-40B4-BE49-F238E27FC236}">
-                <a16:creationId xmlns:a16="http://schemas.microsoft.com/office/drawing/2014/main" id="{7E076DDE-3806-D761-84FF-8810847A756C}"/>
+                <a16:creationId xmlns:a16="http://schemas.microsoft.com/office/drawing/2014/main" id="{3598178E-EF64-AE8E-DEAF-56AC06F0CFE8}"/>
               </a:ext>
             </a:extLst>
           </p:cNvPr>
@@ -1808,7 +1808,7 @@
           <a:bodyPr/>
           <a:lstStyle/>
           <a:p>
-            <a:fld id="{6AC37554-6CB5-457B-9879-2A4ECAC887B0}" type="datetimeFigureOut">
+            <a:fld id="{1DBFA1C8-5D38-4B02-8922-4666B2C2AFF9}" type="datetimeFigureOut">
               <a:rPr lang="zh-CN" altLang="en-US" smtClean="0"/>
               <a:t>2024/3/10</a:t>
             </a:fld>
@@ -1821,7 +1821,7 @@
           <p:cNvPr id="8" name="页脚占位符 7">
             <a:extLst>
               <a:ext uri="{FF2B5EF4-FFF2-40B4-BE49-F238E27FC236}">
-                <a16:creationId xmlns:a16="http://schemas.microsoft.com/office/drawing/2014/main" id="{74B6893C-4FC1-116B-8F52-6A61005E0026}"/>
+                <a16:creationId xmlns:a16="http://schemas.microsoft.com/office/drawing/2014/main" id="{3A11CDE2-A1C8-742B-B3EA-E67972BC8675}"/>
               </a:ext>
             </a:extLst>
           </p:cNvPr>
@@ -1846,7 +1846,7 @@
           <p:cNvPr id="9" name="灯片编号占位符 8">
             <a:extLst>
               <a:ext uri="{FF2B5EF4-FFF2-40B4-BE49-F238E27FC236}">
-                <a16:creationId xmlns:a16="http://schemas.microsoft.com/office/drawing/2014/main" id="{22CCE02B-4CB8-9F6D-7E6D-BE0E32A40A98}"/>
+                <a16:creationId xmlns:a16="http://schemas.microsoft.com/office/drawing/2014/main" id="{FB7410A6-F1EB-E294-ABA2-EFD97B984C0E}"/>
               </a:ext>
             </a:extLst>
           </p:cNvPr>
@@ -1862,7 +1862,7 @@
           <a:bodyPr/>
           <a:lstStyle/>
           <a:p>
-            <a:fld id="{937EC396-9F2B-42FB-84D9-923FACDAD12B}" type="slidenum">
+            <a:fld id="{B0ADB00C-13DC-447D-9A9F-A9153936CCF0}" type="slidenum">
               <a:rPr lang="zh-CN" altLang="en-US" smtClean="0"/>
               <a:t>‹#›</a:t>
             </a:fld>
@@ -1873,7 +1873,7 @@
     </p:spTree>
     <p:extLst>
       <p:ext uri="{BB962C8B-B14F-4D97-AF65-F5344CB8AC3E}">
-        <p14:creationId xmlns:p14="http://schemas.microsoft.com/office/powerpoint/2010/main" val="1786818787"/>
+        <p14:creationId xmlns:p14="http://schemas.microsoft.com/office/powerpoint/2010/main" val="1477421103"/>
       </p:ext>
     </p:extLst>
   </p:cSld>
@@ -1905,7 +1905,7 @@
           <p:cNvPr id="2" name="标题 1">
             <a:extLst>
               <a:ext uri="{FF2B5EF4-FFF2-40B4-BE49-F238E27FC236}">
-                <a16:creationId xmlns:a16="http://schemas.microsoft.com/office/drawing/2014/main" id="{94060903-8A3E-7825-A9EB-7B65EAAFC182}"/>
+                <a16:creationId xmlns:a16="http://schemas.microsoft.com/office/drawing/2014/main" id="{2DCB23F9-A236-F899-BC4E-A5EC7EA40A53}"/>
               </a:ext>
             </a:extLst>
           </p:cNvPr>
@@ -1933,7 +1933,7 @@
           <p:cNvPr id="3" name="日期占位符 2">
             <a:extLst>
               <a:ext uri="{FF2B5EF4-FFF2-40B4-BE49-F238E27FC236}">
-                <a16:creationId xmlns:a16="http://schemas.microsoft.com/office/drawing/2014/main" id="{4D4E6FF2-9BD1-A02F-96C4-C516A932C1DB}"/>
+                <a16:creationId xmlns:a16="http://schemas.microsoft.com/office/drawing/2014/main" id="{F1F81741-4D26-27EA-74B0-4A473DF24938}"/>
               </a:ext>
             </a:extLst>
           </p:cNvPr>
@@ -1949,7 +1949,7 @@
           <a:bodyPr/>
           <a:lstStyle/>
           <a:p>
-            <a:fld id="{6AC37554-6CB5-457B-9879-2A4ECAC887B0}" type="datetimeFigureOut">
+            <a:fld id="{1DBFA1C8-5D38-4B02-8922-4666B2C2AFF9}" type="datetimeFigureOut">
               <a:rPr lang="zh-CN" altLang="en-US" smtClean="0"/>
               <a:t>2024/3/10</a:t>
             </a:fld>
@@ -1962,7 +1962,7 @@
           <p:cNvPr id="4" name="页脚占位符 3">
             <a:extLst>
               <a:ext uri="{FF2B5EF4-FFF2-40B4-BE49-F238E27FC236}">
-                <a16:creationId xmlns:a16="http://schemas.microsoft.com/office/drawing/2014/main" id="{F3B12360-D56D-7C0E-89CB-34D9EADDF157}"/>
+                <a16:creationId xmlns:a16="http://schemas.microsoft.com/office/drawing/2014/main" id="{CEBD9E0C-2895-3134-2A97-A79BC1C0EE6E}"/>
               </a:ext>
             </a:extLst>
           </p:cNvPr>
@@ -1987,7 +1987,7 @@
           <p:cNvPr id="5" name="灯片编号占位符 4">
             <a:extLst>
               <a:ext uri="{FF2B5EF4-FFF2-40B4-BE49-F238E27FC236}">
-                <a16:creationId xmlns:a16="http://schemas.microsoft.com/office/drawing/2014/main" id="{49E49EF8-2E7D-DB7E-7052-005F9816D7E9}"/>
+                <a16:creationId xmlns:a16="http://schemas.microsoft.com/office/drawing/2014/main" id="{F50E37D3-853E-2101-20B7-52C18084CB2F}"/>
               </a:ext>
             </a:extLst>
           </p:cNvPr>
@@ -2003,7 +2003,7 @@
           <a:bodyPr/>
           <a:lstStyle/>
           <a:p>
-            <a:fld id="{937EC396-9F2B-42FB-84D9-923FACDAD12B}" type="slidenum">
+            <a:fld id="{B0ADB00C-13DC-447D-9A9F-A9153936CCF0}" type="slidenum">
               <a:rPr lang="zh-CN" altLang="en-US" smtClean="0"/>
               <a:t>‹#›</a:t>
             </a:fld>
@@ -2014,7 +2014,7 @@
     </p:spTree>
     <p:extLst>
       <p:ext uri="{BB962C8B-B14F-4D97-AF65-F5344CB8AC3E}">
-        <p14:creationId xmlns:p14="http://schemas.microsoft.com/office/powerpoint/2010/main" val="3239214008"/>
+        <p14:creationId xmlns:p14="http://schemas.microsoft.com/office/powerpoint/2010/main" val="4008881758"/>
       </p:ext>
     </p:extLst>
   </p:cSld>
@@ -2046,7 +2046,7 @@
           <p:cNvPr id="2" name="日期占位符 1">
             <a:extLst>
               <a:ext uri="{FF2B5EF4-FFF2-40B4-BE49-F238E27FC236}">
-                <a16:creationId xmlns:a16="http://schemas.microsoft.com/office/drawing/2014/main" id="{D4A83232-485C-8D54-461E-2548520D1375}"/>
+                <a16:creationId xmlns:a16="http://schemas.microsoft.com/office/drawing/2014/main" id="{0C7BD0ED-2FD1-D73C-8D76-AF951C35E0AA}"/>
               </a:ext>
             </a:extLst>
           </p:cNvPr>
@@ -2062,7 +2062,7 @@
           <a:bodyPr/>
           <a:lstStyle/>
           <a:p>
-            <a:fld id="{6AC37554-6CB5-457B-9879-2A4ECAC887B0}" type="datetimeFigureOut">
+            <a:fld id="{1DBFA1C8-5D38-4B02-8922-4666B2C2AFF9}" type="datetimeFigureOut">
               <a:rPr lang="zh-CN" altLang="en-US" smtClean="0"/>
               <a:t>2024/3/10</a:t>
             </a:fld>
@@ -2075,7 +2075,7 @@
           <p:cNvPr id="3" name="页脚占位符 2">
             <a:extLst>
               <a:ext uri="{FF2B5EF4-FFF2-40B4-BE49-F238E27FC236}">
-                <a16:creationId xmlns:a16="http://schemas.microsoft.com/office/drawing/2014/main" id="{8BAA6F7A-A466-1A31-BB3C-6EEBAA4E14EB}"/>
+                <a16:creationId xmlns:a16="http://schemas.microsoft.com/office/drawing/2014/main" id="{6D956E1B-3A7B-A5D8-EC98-6D5E5022829D}"/>
               </a:ext>
             </a:extLst>
           </p:cNvPr>
@@ -2100,7 +2100,7 @@
           <p:cNvPr id="4" name="灯片编号占位符 3">
             <a:extLst>
               <a:ext uri="{FF2B5EF4-FFF2-40B4-BE49-F238E27FC236}">
-                <a16:creationId xmlns:a16="http://schemas.microsoft.com/office/drawing/2014/main" id="{8D8C35C0-BC5A-892A-DBF9-AD0548455150}"/>
+                <a16:creationId xmlns:a16="http://schemas.microsoft.com/office/drawing/2014/main" id="{7864D8CC-56DE-AC3F-51AA-FD9519B888A8}"/>
               </a:ext>
             </a:extLst>
           </p:cNvPr>
@@ -2116,7 +2116,7 @@
           <a:bodyPr/>
           <a:lstStyle/>
           <a:p>
-            <a:fld id="{937EC396-9F2B-42FB-84D9-923FACDAD12B}" type="slidenum">
+            <a:fld id="{B0ADB00C-13DC-447D-9A9F-A9153936CCF0}" type="slidenum">
               <a:rPr lang="zh-CN" altLang="en-US" smtClean="0"/>
               <a:t>‹#›</a:t>
             </a:fld>
@@ -2127,7 +2127,7 @@
     </p:spTree>
     <p:extLst>
       <p:ext uri="{BB962C8B-B14F-4D97-AF65-F5344CB8AC3E}">
-        <p14:creationId xmlns:p14="http://schemas.microsoft.com/office/powerpoint/2010/main" val="1753026409"/>
+        <p14:creationId xmlns:p14="http://schemas.microsoft.com/office/powerpoint/2010/main" val="2221653253"/>
       </p:ext>
     </p:extLst>
   </p:cSld>
@@ -2159,7 +2159,7 @@
           <p:cNvPr id="2" name="标题 1">
             <a:extLst>
               <a:ext uri="{FF2B5EF4-FFF2-40B4-BE49-F238E27FC236}">
-                <a16:creationId xmlns:a16="http://schemas.microsoft.com/office/drawing/2014/main" id="{1EBBC2F4-295C-A3F8-A127-97B4FAAEAB2B}"/>
+                <a16:creationId xmlns:a16="http://schemas.microsoft.com/office/drawing/2014/main" id="{483F9C7E-9BE5-2E36-D295-106E8D6B64F0}"/>
               </a:ext>
             </a:extLst>
           </p:cNvPr>
@@ -2196,7 +2196,7 @@
           <p:cNvPr id="3" name="内容占位符 2">
             <a:extLst>
               <a:ext uri="{FF2B5EF4-FFF2-40B4-BE49-F238E27FC236}">
-                <a16:creationId xmlns:a16="http://schemas.microsoft.com/office/drawing/2014/main" id="{F5151338-6BBE-2E23-3422-559971331790}"/>
+                <a16:creationId xmlns:a16="http://schemas.microsoft.com/office/drawing/2014/main" id="{CD27AC48-0374-6351-527E-7F0B039377E1}"/>
               </a:ext>
             </a:extLst>
           </p:cNvPr>
@@ -2286,7 +2286,7 @@
           <p:cNvPr id="4" name="文本占位符 3">
             <a:extLst>
               <a:ext uri="{FF2B5EF4-FFF2-40B4-BE49-F238E27FC236}">
-                <a16:creationId xmlns:a16="http://schemas.microsoft.com/office/drawing/2014/main" id="{7DD6A35C-2D99-EFA2-0EC5-5D0C1D369004}"/>
+                <a16:creationId xmlns:a16="http://schemas.microsoft.com/office/drawing/2014/main" id="{8938F383-832A-88A0-ADDA-EE87F351A4F1}"/>
               </a:ext>
             </a:extLst>
           </p:cNvPr>
@@ -2357,7 +2357,7 @@
           <p:cNvPr id="5" name="日期占位符 4">
             <a:extLst>
               <a:ext uri="{FF2B5EF4-FFF2-40B4-BE49-F238E27FC236}">
-                <a16:creationId xmlns:a16="http://schemas.microsoft.com/office/drawing/2014/main" id="{BD36389B-8EC0-9FF6-543A-620D0CF33998}"/>
+                <a16:creationId xmlns:a16="http://schemas.microsoft.com/office/drawing/2014/main" id="{00408196-0EF1-F0F0-9EEF-7CB167717742}"/>
               </a:ext>
             </a:extLst>
           </p:cNvPr>
@@ -2373,7 +2373,7 @@
           <a:bodyPr/>
           <a:lstStyle/>
           <a:p>
-            <a:fld id="{6AC37554-6CB5-457B-9879-2A4ECAC887B0}" type="datetimeFigureOut">
+            <a:fld id="{1DBFA1C8-5D38-4B02-8922-4666B2C2AFF9}" type="datetimeFigureOut">
               <a:rPr lang="zh-CN" altLang="en-US" smtClean="0"/>
               <a:t>2024/3/10</a:t>
             </a:fld>
@@ -2386,7 +2386,7 @@
           <p:cNvPr id="6" name="页脚占位符 5">
             <a:extLst>
               <a:ext uri="{FF2B5EF4-FFF2-40B4-BE49-F238E27FC236}">
-                <a16:creationId xmlns:a16="http://schemas.microsoft.com/office/drawing/2014/main" id="{9E936377-15DC-396A-2B02-BAF5210B8AB3}"/>
+                <a16:creationId xmlns:a16="http://schemas.microsoft.com/office/drawing/2014/main" id="{7216C756-8012-4063-140A-313BF1DDA267}"/>
               </a:ext>
             </a:extLst>
           </p:cNvPr>
@@ -2411,7 +2411,7 @@
           <p:cNvPr id="7" name="灯片编号占位符 6">
             <a:extLst>
               <a:ext uri="{FF2B5EF4-FFF2-40B4-BE49-F238E27FC236}">
-                <a16:creationId xmlns:a16="http://schemas.microsoft.com/office/drawing/2014/main" id="{A4F47E6D-AC23-1B2E-7036-BCCC72A722F1}"/>
+                <a16:creationId xmlns:a16="http://schemas.microsoft.com/office/drawing/2014/main" id="{2CE8D239-2ECB-27B0-20A5-311B921F3F87}"/>
               </a:ext>
             </a:extLst>
           </p:cNvPr>
@@ -2427,7 +2427,7 @@
           <a:bodyPr/>
           <a:lstStyle/>
           <a:p>
-            <a:fld id="{937EC396-9F2B-42FB-84D9-923FACDAD12B}" type="slidenum">
+            <a:fld id="{B0ADB00C-13DC-447D-9A9F-A9153936CCF0}" type="slidenum">
               <a:rPr lang="zh-CN" altLang="en-US" smtClean="0"/>
               <a:t>‹#›</a:t>
             </a:fld>
@@ -2438,7 +2438,7 @@
     </p:spTree>
     <p:extLst>
       <p:ext uri="{BB962C8B-B14F-4D97-AF65-F5344CB8AC3E}">
-        <p14:creationId xmlns:p14="http://schemas.microsoft.com/office/powerpoint/2010/main" val="3588195550"/>
+        <p14:creationId xmlns:p14="http://schemas.microsoft.com/office/powerpoint/2010/main" val="2255869863"/>
       </p:ext>
     </p:extLst>
   </p:cSld>
@@ -2470,7 +2470,7 @@
           <p:cNvPr id="2" name="标题 1">
             <a:extLst>
               <a:ext uri="{FF2B5EF4-FFF2-40B4-BE49-F238E27FC236}">
-                <a16:creationId xmlns:a16="http://schemas.microsoft.com/office/drawing/2014/main" id="{7B59B00E-2E4E-C862-309A-8D460F80DA04}"/>
+                <a16:creationId xmlns:a16="http://schemas.microsoft.com/office/drawing/2014/main" id="{5612BB78-3BB2-46A2-4829-7B2856BF1B09}"/>
               </a:ext>
             </a:extLst>
           </p:cNvPr>
@@ -2507,7 +2507,7 @@
           <p:cNvPr id="3" name="图片占位符 2">
             <a:extLst>
               <a:ext uri="{FF2B5EF4-FFF2-40B4-BE49-F238E27FC236}">
-                <a16:creationId xmlns:a16="http://schemas.microsoft.com/office/drawing/2014/main" id="{4CCE2099-0FB6-8530-E8DE-A4D571EA420D}"/>
+                <a16:creationId xmlns:a16="http://schemas.microsoft.com/office/drawing/2014/main" id="{420D8525-6092-F6C9-15D0-386C96A4A0FA}"/>
               </a:ext>
             </a:extLst>
           </p:cNvPr>
@@ -2574,7 +2574,7 @@
           <p:cNvPr id="4" name="文本占位符 3">
             <a:extLst>
               <a:ext uri="{FF2B5EF4-FFF2-40B4-BE49-F238E27FC236}">
-                <a16:creationId xmlns:a16="http://schemas.microsoft.com/office/drawing/2014/main" id="{6887DE8C-A52F-2A78-BDF2-F25C638819F6}"/>
+                <a16:creationId xmlns:a16="http://schemas.microsoft.com/office/drawing/2014/main" id="{DA88759A-D6FC-2F56-0725-F283D705CE41}"/>
               </a:ext>
             </a:extLst>
           </p:cNvPr>
@@ -2645,7 +2645,7 @@
           <p:cNvPr id="5" name="日期占位符 4">
             <a:extLst>
               <a:ext uri="{FF2B5EF4-FFF2-40B4-BE49-F238E27FC236}">
-                <a16:creationId xmlns:a16="http://schemas.microsoft.com/office/drawing/2014/main" id="{1633A607-0608-CEB3-89BD-0F2BFF1518CF}"/>
+                <a16:creationId xmlns:a16="http://schemas.microsoft.com/office/drawing/2014/main" id="{E3F339A2-CED6-89F6-63F8-45810495FDB1}"/>
               </a:ext>
             </a:extLst>
           </p:cNvPr>
@@ -2661,7 +2661,7 @@
           <a:bodyPr/>
           <a:lstStyle/>
           <a:p>
-            <a:fld id="{6AC37554-6CB5-457B-9879-2A4ECAC887B0}" type="datetimeFigureOut">
+            <a:fld id="{1DBFA1C8-5D38-4B02-8922-4666B2C2AFF9}" type="datetimeFigureOut">
               <a:rPr lang="zh-CN" altLang="en-US" smtClean="0"/>
               <a:t>2024/3/10</a:t>
             </a:fld>
@@ -2674,7 +2674,7 @@
           <p:cNvPr id="6" name="页脚占位符 5">
             <a:extLst>
               <a:ext uri="{FF2B5EF4-FFF2-40B4-BE49-F238E27FC236}">
-                <a16:creationId xmlns:a16="http://schemas.microsoft.com/office/drawing/2014/main" id="{677A0527-0D20-5D88-1D40-EE79CDBAE462}"/>
+                <a16:creationId xmlns:a16="http://schemas.microsoft.com/office/drawing/2014/main" id="{8099C254-97CD-DC24-6D02-DE02B3699391}"/>
               </a:ext>
             </a:extLst>
           </p:cNvPr>
@@ -2699,7 +2699,7 @@
           <p:cNvPr id="7" name="灯片编号占位符 6">
             <a:extLst>
               <a:ext uri="{FF2B5EF4-FFF2-40B4-BE49-F238E27FC236}">
-                <a16:creationId xmlns:a16="http://schemas.microsoft.com/office/drawing/2014/main" id="{71908BCA-07E1-7B38-2EAF-BBEEAC6A369A}"/>
+                <a16:creationId xmlns:a16="http://schemas.microsoft.com/office/drawing/2014/main" id="{AD824711-4251-8C08-9B86-B4BAC874B3DB}"/>
               </a:ext>
             </a:extLst>
           </p:cNvPr>
@@ -2715,7 +2715,7 @@
           <a:bodyPr/>
           <a:lstStyle/>
           <a:p>
-            <a:fld id="{937EC396-9F2B-42FB-84D9-923FACDAD12B}" type="slidenum">
+            <a:fld id="{B0ADB00C-13DC-447D-9A9F-A9153936CCF0}" type="slidenum">
               <a:rPr lang="zh-CN" altLang="en-US" smtClean="0"/>
               <a:t>‹#›</a:t>
             </a:fld>
@@ -2726,7 +2726,7 @@
     </p:spTree>
     <p:extLst>
       <p:ext uri="{BB962C8B-B14F-4D97-AF65-F5344CB8AC3E}">
-        <p14:creationId xmlns:p14="http://schemas.microsoft.com/office/powerpoint/2010/main" val="585756074"/>
+        <p14:creationId xmlns:p14="http://schemas.microsoft.com/office/powerpoint/2010/main" val="3764448509"/>
       </p:ext>
     </p:extLst>
   </p:cSld>
@@ -2763,7 +2763,7 @@
           <p:cNvPr id="2" name="标题占位符 1">
             <a:extLst>
               <a:ext uri="{FF2B5EF4-FFF2-40B4-BE49-F238E27FC236}">
-                <a16:creationId xmlns:a16="http://schemas.microsoft.com/office/drawing/2014/main" id="{98B0BFC1-1BA9-0FF7-D295-30BA0AAB6F82}"/>
+                <a16:creationId xmlns:a16="http://schemas.microsoft.com/office/drawing/2014/main" id="{7EBFD3AE-2BFA-6145-6916-6A1D8D6B6BCC}"/>
               </a:ext>
             </a:extLst>
           </p:cNvPr>
@@ -2801,7 +2801,7 @@
           <p:cNvPr id="3" name="文本占位符 2">
             <a:extLst>
               <a:ext uri="{FF2B5EF4-FFF2-40B4-BE49-F238E27FC236}">
-                <a16:creationId xmlns:a16="http://schemas.microsoft.com/office/drawing/2014/main" id="{6BFFF845-5B01-653E-5148-A533AA2FC852}"/>
+                <a16:creationId xmlns:a16="http://schemas.microsoft.com/office/drawing/2014/main" id="{9B0A2A81-2C0C-B5C6-717D-5CD71FDE0093}"/>
               </a:ext>
             </a:extLst>
           </p:cNvPr>
@@ -2868,7 +2868,7 @@
           <p:cNvPr id="4" name="日期占位符 3">
             <a:extLst>
               <a:ext uri="{FF2B5EF4-FFF2-40B4-BE49-F238E27FC236}">
-                <a16:creationId xmlns:a16="http://schemas.microsoft.com/office/drawing/2014/main" id="{9C6B4886-B279-DFA3-5F7D-773EFE559A27}"/>
+                <a16:creationId xmlns:a16="http://schemas.microsoft.com/office/drawing/2014/main" id="{2C5C3074-C876-A0ED-B638-79D0E3C79946}"/>
               </a:ext>
             </a:extLst>
           </p:cNvPr>
@@ -2902,7 +2902,7 @@
             </a:lvl1pPr>
           </a:lstStyle>
           <a:p>
-            <a:fld id="{6AC37554-6CB5-457B-9879-2A4ECAC887B0}" type="datetimeFigureOut">
+            <a:fld id="{1DBFA1C8-5D38-4B02-8922-4666B2C2AFF9}" type="datetimeFigureOut">
               <a:rPr lang="zh-CN" altLang="en-US" smtClean="0"/>
               <a:t>2024/3/10</a:t>
             </a:fld>
@@ -2915,7 +2915,7 @@
           <p:cNvPr id="5" name="页脚占位符 4">
             <a:extLst>
               <a:ext uri="{FF2B5EF4-FFF2-40B4-BE49-F238E27FC236}">
-                <a16:creationId xmlns:a16="http://schemas.microsoft.com/office/drawing/2014/main" id="{D09FC116-781B-7917-9EFD-676C768A054C}"/>
+                <a16:creationId xmlns:a16="http://schemas.microsoft.com/office/drawing/2014/main" id="{5AFFDE6A-AAD6-5A8B-2EBD-1DA46270277E}"/>
               </a:ext>
             </a:extLst>
           </p:cNvPr>
@@ -2958,7 +2958,7 @@
           <p:cNvPr id="6" name="灯片编号占位符 5">
             <a:extLst>
               <a:ext uri="{FF2B5EF4-FFF2-40B4-BE49-F238E27FC236}">
-                <a16:creationId xmlns:a16="http://schemas.microsoft.com/office/drawing/2014/main" id="{F9D76E9E-BD74-5968-E41B-2ED94FF68DA1}"/>
+                <a16:creationId xmlns:a16="http://schemas.microsoft.com/office/drawing/2014/main" id="{16A97CB5-633C-B0DB-E0E2-BFD6F03D6311}"/>
               </a:ext>
             </a:extLst>
           </p:cNvPr>
@@ -2992,7 +2992,7 @@
             </a:lvl1pPr>
           </a:lstStyle>
           <a:p>
-            <a:fld id="{937EC396-9F2B-42FB-84D9-923FACDAD12B}" type="slidenum">
+            <a:fld id="{B0ADB00C-13DC-447D-9A9F-A9153936CCF0}" type="slidenum">
               <a:rPr lang="zh-CN" altLang="en-US" smtClean="0"/>
               <a:t>‹#›</a:t>
             </a:fld>
@@ -3003,7 +3003,7 @@
     </p:spTree>
     <p:extLst>
       <p:ext uri="{BB962C8B-B14F-4D97-AF65-F5344CB8AC3E}">
-        <p14:creationId xmlns:p14="http://schemas.microsoft.com/office/powerpoint/2010/main" val="2792038805"/>
+        <p14:creationId xmlns:p14="http://schemas.microsoft.com/office/powerpoint/2010/main" val="1155174923"/>
       </p:ext>
     </p:extLst>
   </p:cSld>
